--- a/presentation/PresentationSlides.pptx
+++ b/presentation/PresentationSlides.pptx
@@ -676,68 +676,6 @@
               <a:t> interface, it utilizes the device's default speech synthesizer. </a:t>
             </a:r>
           </a:p>
-          <a:p>
-            <a:endParaRPr lang="en-GB" b="0" i="0" dirty="0">
-              <a:effectLst/>
-              <a:highlight>
-                <a:srgbClr val="FFFFFF"/>
-              </a:highlight>
-              <a:latin typeface="Arial" panose="020B0604020202020204" pitchFamily="34" charset="0"/>
-            </a:endParaRPr>
-          </a:p>
-          <a:p>
-            <a:r>
-              <a:rPr lang="en-GB" b="0" i="0" dirty="0">
-                <a:effectLst/>
-                <a:highlight>
-                  <a:srgbClr val="FFFFFF"/>
-                </a:highlight>
-                <a:latin typeface="Arial" panose="020B0604020202020204" pitchFamily="34" charset="0"/>
-              </a:rPr>
-              <a:t>Various voice options are managed by </a:t>
-            </a:r>
-            <a:r>
-              <a:rPr lang="en-GB" b="0" i="0" dirty="0" err="1">
-                <a:effectLst/>
-                <a:highlight>
-                  <a:srgbClr val="FFFFFF"/>
-                </a:highlight>
-                <a:latin typeface="Arial" panose="020B0604020202020204" pitchFamily="34" charset="0"/>
-              </a:rPr>
-              <a:t>SpeechSynthesisVoice</a:t>
-            </a:r>
-            <a:r>
-              <a:rPr lang="en-GB" b="0" i="0" dirty="0">
-                <a:effectLst/>
-                <a:highlight>
-                  <a:srgbClr val="FFFFFF"/>
-                </a:highlight>
-                <a:latin typeface="Arial" panose="020B0604020202020204" pitchFamily="34" charset="0"/>
-              </a:rPr>
-              <a:t> objects, while </a:t>
-            </a:r>
-            <a:r>
-              <a:rPr lang="en-GB" b="0" i="0" dirty="0" err="1">
-                <a:effectLst/>
-                <a:highlight>
-                  <a:srgbClr val="FFFFFF"/>
-                </a:highlight>
-                <a:latin typeface="Arial" panose="020B0604020202020204" pitchFamily="34" charset="0"/>
-              </a:rPr>
-              <a:t>SpeechSynthesisUtterance</a:t>
-            </a:r>
-            <a:r>
-              <a:rPr lang="en-GB" b="0" i="0" dirty="0">
-                <a:effectLst/>
-                <a:highlight>
-                  <a:srgbClr val="FFFFFF"/>
-                </a:highlight>
-                <a:latin typeface="Arial" panose="020B0604020202020204" pitchFamily="34" charset="0"/>
-              </a:rPr>
-              <a:t> objects encapsulate designated text sections for speech. This feature ensures compatibility and optimal performance across operating systems.</a:t>
-            </a:r>
-            <a:endParaRPr lang="en-GB" dirty="0"/>
-          </a:p>
         </p:txBody>
       </p:sp>
       <p:sp>
@@ -1008,25 +946,7 @@
           <a:p>
             <a:r>
               <a:rPr lang="en-GB" dirty="0"/>
-              <a:t>Operating within an audio context, it utilizes a modular routing system where interconnected audio nodes form an audio routing graph. </a:t>
-            </a:r>
-          </a:p>
-          <a:p>
-            <a:endParaRPr lang="en-GB" dirty="0"/>
-          </a:p>
-          <a:p>
-            <a:r>
-              <a:rPr lang="en-GB" dirty="0"/>
-              <a:t>These nodes represent various audio sources like oscillators, buffers, media elements, and streams. </a:t>
-            </a:r>
-          </a:p>
-          <a:p>
-            <a:endParaRPr lang="en-GB" dirty="0"/>
-          </a:p>
-          <a:p>
-            <a:r>
-              <a:rPr lang="en-GB" dirty="0"/>
-              <a:t>Developers can dynamically process audio samples, applying effects, adjusting volume levels, and spatializing audio. </a:t>
+              <a:t>Operating within an audio context, it utilizes a modular routing system where interconnected audio nodes form an audio routing graph, where developers can dynamically process audio.</a:t>
             </a:r>
           </a:p>
         </p:txBody>
@@ -1301,7 +1221,7 @@
             </a:pPr>
             <a:r>
               <a:rPr lang="en-GB" dirty="0"/>
-              <a:t>Clerk is a cloud-based authentication service, offering seamless integration with various front-end frameworks. It boasts a feature-rich environment covering user management, multi-factor authentication (MFA), and more. </a:t>
+              <a:t>Clerk is a cloud-based authentication service, offering seamless integration with various front-end frameworks.  </a:t>
             </a:r>
           </a:p>
           <a:p>
@@ -1344,50 +1264,7 @@
             </a:pPr>
             <a:r>
               <a:rPr lang="en-GB" dirty="0"/>
-              <a:t>Clerk's React API simplifies authentication tasks with pre-built components reducing development overhead.  </a:t>
-            </a:r>
-          </a:p>
-          <a:p>
-            <a:pPr marL="0" marR="0" lvl="0" indent="0" algn="l" defTabSz="914400" rtl="0" eaLnBrk="1" fontAlgn="auto" latinLnBrk="0" hangingPunct="1">
-              <a:lnSpc>
-                <a:spcPct val="100000"/>
-              </a:lnSpc>
-              <a:spcBef>
-                <a:spcPts val="0"/>
-              </a:spcBef>
-              <a:spcAft>
-                <a:spcPts val="0"/>
-              </a:spcAft>
-              <a:buClrTx/>
-              <a:buSzTx/>
-              <a:buFontTx/>
-              <a:buNone/>
-              <a:tabLst/>
-              <a:defRPr/>
-            </a:pPr>
-            <a:endParaRPr lang="en-GB" dirty="0"/>
-          </a:p>
-          <a:p>
-            <a:pPr marL="0" marR="0" lvl="0" indent="0" algn="l" defTabSz="914400" rtl="0" eaLnBrk="1" fontAlgn="auto" latinLnBrk="0" hangingPunct="1">
-              <a:lnSpc>
-                <a:spcPct val="100000"/>
-              </a:lnSpc>
-              <a:spcBef>
-                <a:spcPts val="0"/>
-              </a:spcBef>
-              <a:spcAft>
-                <a:spcPts val="0"/>
-              </a:spcAft>
-              <a:buClrTx/>
-              <a:buSzTx/>
-              <a:buFontTx/>
-              <a:buNone/>
-              <a:tabLst/>
-              <a:defRPr/>
-            </a:pPr>
-            <a:r>
-              <a:rPr lang="en-GB" dirty="0"/>
-              <a:t>Additionally, Clerk provides a solution for storing and managing user instances, enhancing the user experience. Developers can implement a secure system for users to save and select instances within their applications. </a:t>
+              <a:t>Clerk's React API simplifies authentication tasks with pre-built components reducing development overhead for storing and managing user instances.  </a:t>
             </a:r>
           </a:p>
         </p:txBody>
@@ -1743,7 +1620,7 @@
           <a:p>
             <a:r>
               <a:rPr lang="en-GB" dirty="0"/>
-              <a:t>Over 5% of the global population, need rehabilitation for their hearing loss. By 2050, it is projected that this number will surpass 700 million, affecting approximately one in every ten people worldwide. </a:t>
+              <a:t>Over 5% of the global population, need rehabilitation for their hearing loss. By 2050, it is projected to affect one in every ten people worldwide. </a:t>
             </a:r>
           </a:p>
           <a:p>
@@ -1752,7 +1629,7 @@
           <a:p>
             <a:r>
               <a:rPr lang="en-GB" dirty="0"/>
-              <a:t>Currently, approximately 80% of individuals with hearing loss reside in countries classified as low- and middle-income. Several frameworks aim to advance assistive technology implementation in low- and middle-income countries, such as the Global Cooperation on Assistive Technology and the United Nations Convention on the Rights of Persons with Disabilities (CRPD). However, these mandates have been neglected due to insufficient funding, hindering progress.</a:t>
+              <a:t>Currently, approximately 80% of individuals with hearing loss reside in countries classified as low- and middle-income. Several frameworks aim to advance assistive technology in these countries, but they have been neglected due to insufficient funding.</a:t>
             </a:r>
           </a:p>
           <a:p>
@@ -1788,11 +1665,8 @@
                 </a:highlight>
                 <a:latin typeface="Söhne"/>
               </a:rPr>
-              <a:t>poses challenges in speech interpretation, leading to diminished capacity for effective communication, delays in language acquisition, economic and educational disadvantages, social isolation, stigmatisation, and a compromised quality of life. Recent studies have also shown links to abandoning hearing aids to dementia and mortality. Hearing aids are crucial interventions, effectively mitigating these challenges and improving the quality of life for individuals with hearing loss.</a:t>
+              <a:t>poses challenges in speech interpretation, leading to a compromised quality of life. Recent studies have also shown links to abandoning hearing aids to dementia and mortality. </a:t>
             </a:r>
-            <a:endParaRPr lang="en-GB" dirty="0"/>
-          </a:p>
-          <a:p>
             <a:endParaRPr lang="en-GB" dirty="0"/>
           </a:p>
           <a:p>
@@ -1906,7 +1780,64 @@
                 </a:solidFill>
                 <a:latin typeface="Britannic Bold" panose="020B0903060703020204" pitchFamily="34" charset="77"/>
               </a:rPr>
-              <a:t>Our first survey had a majority of individuals aged 45 to 64, indicating a skew towards an older demographic. This underscores the importance of tailoring the web-app's UI/UX to suit the needs and preferences of this age group. However our second survey had a majority of 35-44 indicating a need to be versatile for all age groups. </a:t>
+              <a:t>Now we will summarise our findings in our two user surveys.</a:t>
+            </a:r>
+          </a:p>
+          <a:p>
+            <a:pPr marL="0" marR="0" lvl="0" indent="0" algn="l" defTabSz="914400" rtl="0" eaLnBrk="1" fontAlgn="auto" latinLnBrk="0" hangingPunct="1">
+              <a:lnSpc>
+                <a:spcPct val="120000"/>
+              </a:lnSpc>
+              <a:spcBef>
+                <a:spcPts val="0"/>
+              </a:spcBef>
+              <a:spcAft>
+                <a:spcPts val="0"/>
+              </a:spcAft>
+              <a:buClr>
+                <a:srgbClr val="7FC9D9"/>
+              </a:buClr>
+              <a:buSzTx/>
+              <a:buFontTx/>
+              <a:buNone/>
+              <a:tabLst/>
+              <a:defRPr/>
+            </a:pPr>
+            <a:endParaRPr lang="en-GB" dirty="0">
+              <a:solidFill>
+                <a:schemeClr val="bg1"/>
+              </a:solidFill>
+              <a:latin typeface="Britannic Bold" panose="020B0903060703020204" pitchFamily="34" charset="77"/>
+            </a:endParaRPr>
+          </a:p>
+          <a:p>
+            <a:pPr marL="0" marR="0" lvl="0" indent="0" algn="l" defTabSz="914400" rtl="0" eaLnBrk="1" fontAlgn="auto" latinLnBrk="0" hangingPunct="1">
+              <a:lnSpc>
+                <a:spcPct val="120000"/>
+              </a:lnSpc>
+              <a:spcBef>
+                <a:spcPts val="0"/>
+              </a:spcBef>
+              <a:spcAft>
+                <a:spcPts val="0"/>
+              </a:spcAft>
+              <a:buClr>
+                <a:srgbClr val="7FC9D9"/>
+              </a:buClr>
+              <a:buSzTx/>
+              <a:buFontTx/>
+              <a:buNone/>
+              <a:tabLst/>
+              <a:defRPr/>
+            </a:pPr>
+            <a:r>
+              <a:rPr lang="en-GB" dirty="0">
+                <a:solidFill>
+                  <a:schemeClr val="bg1"/>
+                </a:solidFill>
+                <a:latin typeface="Britannic Bold" panose="020B0903060703020204" pitchFamily="34" charset="77"/>
+              </a:rPr>
+              <a:t>Our first survey had a majority of individuals aged 45 to 64. However, our second survey had a majority of 35-44 indicating a need to be versatile for all age groups, with some customisation options for UI for the elderly. </a:t>
             </a:r>
           </a:p>
           <a:p>
@@ -2227,27 +2158,7 @@
                 </a:highlight>
                 <a:latin typeface="Arial" panose="020B0604020202020204" pitchFamily="34" charset="0"/>
               </a:rPr>
-              <a:t>Interestingly, while a considerable portion of respondents spend nothing on assistive technology, those who do report spending over £1,000 exhibit varying levels of satisfaction. These findings emphasise the complex interplay between funding, costs, and user satisfaction in the adoption and utilisation of assistive technologies. It </a:t>
-            </a:r>
-            <a:r>
-              <a:rPr lang="en-GB" b="0" i="0">
-                <a:effectLst/>
-                <a:highlight>
-                  <a:srgbClr val="FFFFFF"/>
-                </a:highlight>
-                <a:latin typeface="Arial" panose="020B0604020202020204" pitchFamily="34" charset="0"/>
-              </a:rPr>
-              <a:t>also underscores </a:t>
-            </a:r>
-            <a:r>
-              <a:rPr lang="en-GB" b="0" i="0" dirty="0">
-                <a:effectLst/>
-                <a:highlight>
-                  <a:srgbClr val="FFFFFF"/>
-                </a:highlight>
-                <a:latin typeface="Arial" panose="020B0604020202020204" pitchFamily="34" charset="0"/>
-              </a:rPr>
-              <a:t>the need for low-cost solutions.</a:t>
+              <a:t>Interestingly, while a considerable portion of respondents spend nothing on assistive technology, those who do report spending over £1,000 exhibit varying levels of satisfaction. These findings emphasise the complex interplay between funding, costs, and user satisfaction in the adoption and utilisation of assistive technologies. It also underscores the need for low-cost solutions.</a:t>
             </a:r>
           </a:p>
         </p:txBody>
@@ -2659,12 +2570,24 @@
             </a:r>
           </a:p>
           <a:p>
-            <a:endParaRPr lang="en-GB" dirty="0"/>
+            <a:endParaRPr lang="en-GB" b="0" i="0" dirty="0">
+              <a:effectLst/>
+              <a:highlight>
+                <a:srgbClr val="FFFFFF"/>
+              </a:highlight>
+              <a:latin typeface="Arial" panose="020B0604020202020204" pitchFamily="34" charset="0"/>
+            </a:endParaRPr>
           </a:p>
           <a:p>
             <a:r>
-              <a:rPr lang="en-GB" dirty="0"/>
-              <a:t>Some challenges outlined in the speech-to-text feature were:</a:t>
+              <a:rPr lang="en-GB" b="0" i="0" dirty="0">
+                <a:effectLst/>
+                <a:highlight>
+                  <a:srgbClr val="FFFFFF"/>
+                </a:highlight>
+                <a:latin typeface="Arial" panose="020B0604020202020204" pitchFamily="34" charset="0"/>
+              </a:rPr>
+              <a:t>Some challenges participants had been:</a:t>
             </a:r>
           </a:p>
           <a:p>
@@ -2680,65 +2603,7 @@
                 </a:highlight>
                 <a:latin typeface="Arial" panose="020B0604020202020204" pitchFamily="34" charset="0"/>
               </a:rPr>
-              <a:t>the feature’s occasional failure to recognise acronyms like ’LOL’, often mistaking them for ’Hello’. </a:t>
-            </a:r>
-          </a:p>
-          <a:p>
-            <a:pPr marL="171450" marR="0" lvl="0" indent="-171450" algn="l" defTabSz="914400" rtl="0" eaLnBrk="1" fontAlgn="auto" latinLnBrk="0" hangingPunct="1">
-              <a:lnSpc>
-                <a:spcPct val="100000"/>
-              </a:lnSpc>
-              <a:spcBef>
-                <a:spcPts val="0"/>
-              </a:spcBef>
-              <a:spcAft>
-                <a:spcPts val="0"/>
-              </a:spcAft>
-              <a:buClrTx/>
-              <a:buSzTx/>
-              <a:buFontTx/>
-              <a:buChar char="-"/>
-              <a:tabLst/>
-              <a:defRPr/>
-            </a:pPr>
-            <a:r>
-              <a:rPr lang="en-GB" b="0" i="0" dirty="0">
-                <a:effectLst/>
-                <a:highlight>
-                  <a:srgbClr val="FFFFFF"/>
-                </a:highlight>
-                <a:latin typeface="Arial" panose="020B0604020202020204" pitchFamily="34" charset="0"/>
-              </a:rPr>
-              <a:t>Others observed minor inaccuracies in the transcription, attributing them to their strong Yorkshire accent. The persistent challenge posed by accent variations in speech recognition systems is a notable issue</a:t>
-            </a:r>
-          </a:p>
-          <a:p>
-            <a:pPr marL="171450" marR="0" lvl="0" indent="-171450" algn="l" defTabSz="914400" rtl="0" eaLnBrk="1" fontAlgn="auto" latinLnBrk="0" hangingPunct="1">
-              <a:lnSpc>
-                <a:spcPct val="100000"/>
-              </a:lnSpc>
-              <a:spcBef>
-                <a:spcPts val="0"/>
-              </a:spcBef>
-              <a:spcAft>
-                <a:spcPts val="0"/>
-              </a:spcAft>
-              <a:buClrTx/>
-              <a:buSzTx/>
-              <a:buFontTx/>
-              <a:buChar char="-"/>
-              <a:tabLst/>
-              <a:defRPr/>
-            </a:pPr>
-            <a:r>
-              <a:rPr lang="en-GB" b="0" i="0" dirty="0">
-                <a:effectLst/>
-                <a:highlight>
-                  <a:srgbClr val="FFFFFF"/>
-                </a:highlight>
-                <a:latin typeface="Arial" panose="020B0604020202020204" pitchFamily="34" charset="0"/>
-              </a:rPr>
-              <a:t>Accuracy was dependant on the microphone device uses (i.e. wired headphones or the laptops built-in microphone had better accuracy)</a:t>
+              <a:t>Speech-to-text recognising acronyms and accents </a:t>
             </a:r>
           </a:p>
           <a:p>
@@ -2754,36 +2619,7 @@
                 </a:highlight>
                 <a:latin typeface="Arial" panose="020B0604020202020204" pitchFamily="34" charset="0"/>
               </a:rPr>
-              <a:t>one participant reported compatibility issues with the ’Ark’ browser, attributed to restrictions within the Web Speech API that render it suitable for specific browsers</a:t>
-            </a:r>
-          </a:p>
-          <a:p>
-            <a:pPr marL="171450" indent="-171450">
-              <a:buFontTx/>
-              <a:buChar char="-"/>
-            </a:pPr>
-            <a:endParaRPr lang="en-GB" b="0" i="0" dirty="0">
-              <a:effectLst/>
-              <a:highlight>
-                <a:srgbClr val="FFFFFF"/>
-              </a:highlight>
-              <a:latin typeface="Arial" panose="020B0604020202020204" pitchFamily="34" charset="0"/>
-            </a:endParaRPr>
-          </a:p>
-          <a:p>
-            <a:pPr marL="171450" indent="-171450">
-              <a:buFontTx/>
-              <a:buChar char="-"/>
-            </a:pPr>
-            <a:r>
-              <a:rPr lang="en-GB" b="0" i="0" dirty="0">
-                <a:effectLst/>
-                <a:highlight>
-                  <a:srgbClr val="FFFFFF"/>
-                </a:highlight>
-                <a:latin typeface="Arial" panose="020B0604020202020204" pitchFamily="34" charset="0"/>
-              </a:rPr>
-              <a:t>For playback:</a:t>
+              <a:t>User guides </a:t>
             </a:r>
           </a:p>
           <a:p>
@@ -2799,213 +2635,8 @@
                 </a:highlight>
                 <a:latin typeface="Arial" panose="020B0604020202020204" pitchFamily="34" charset="0"/>
               </a:rPr>
-              <a:t>Some suggested that although the amount of variables can be effective to manipulate sound, some may find it difficult to learn, hence abandoning the web-app</a:t>
+              <a:t>Text-to-speech having an unnatural voice</a:t>
             </a:r>
-          </a:p>
-          <a:p>
-            <a:pPr marL="171450" indent="-171450">
-              <a:buFontTx/>
-              <a:buChar char="-"/>
-            </a:pPr>
-            <a:r>
-              <a:rPr lang="en-GB" b="0" i="0" dirty="0">
-                <a:effectLst/>
-                <a:highlight>
-                  <a:srgbClr val="FFFFFF"/>
-                </a:highlight>
-                <a:latin typeface="Arial" panose="020B0604020202020204" pitchFamily="34" charset="0"/>
-              </a:rPr>
-              <a:t>Others suggested a better user guide, which we did update for more clarity and understanding, aiming to mitigate this issue</a:t>
-            </a:r>
-          </a:p>
-          <a:p>
-            <a:pPr algn="l"/>
-            <a:r>
-              <a:rPr lang="en-GB" b="0" i="0" dirty="0">
-                <a:solidFill>
-                  <a:srgbClr val="495365"/>
-                </a:solidFill>
-                <a:effectLst/>
-                <a:latin typeface="Arial" panose="020B0604020202020204" pitchFamily="34" charset="0"/>
-              </a:rPr>
-              <a:t>- One participant highlighted the necessity for significant layout improvements. They specifically noted the need for increase spacing between elements, noting frustration when using the web-app on a mobile devices due</a:t>
-            </a:r>
-            <a:r>
-              <a:rPr lang="en-GB" b="0" i="0" dirty="0">
-                <a:solidFill>
-                  <a:srgbClr val="495365"/>
-                </a:solidFill>
-                <a:effectLst/>
-                <a:latin typeface="Lato" panose="020F0502020204030203" pitchFamily="34" charset="0"/>
-              </a:rPr>
-              <a:t> </a:t>
-            </a:r>
-            <a:r>
-              <a:rPr lang="en-GB" b="0" i="0" dirty="0">
-                <a:solidFill>
-                  <a:srgbClr val="495365"/>
-                </a:solidFill>
-                <a:effectLst/>
-                <a:latin typeface="Arial" panose="020B0604020202020204" pitchFamily="34" charset="0"/>
-              </a:rPr>
-              <a:t>to their larger fingers. In response, we implemented borders between each</a:t>
-            </a:r>
-            <a:r>
-              <a:rPr lang="en-GB" b="0" i="0" dirty="0">
-                <a:solidFill>
-                  <a:srgbClr val="495365"/>
-                </a:solidFill>
-                <a:effectLst/>
-                <a:latin typeface="Lato" panose="020F0502020204030203" pitchFamily="34" charset="0"/>
-              </a:rPr>
-              <a:t> </a:t>
-            </a:r>
-            <a:r>
-              <a:rPr lang="en-GB" b="0" i="0" dirty="0">
-                <a:solidFill>
-                  <a:srgbClr val="495365"/>
-                </a:solidFill>
-                <a:effectLst/>
-                <a:latin typeface="Arial" panose="020B0604020202020204" pitchFamily="34" charset="0"/>
-              </a:rPr>
-              <a:t>feature and increased spacing between variables to address these usability concerns effectively.</a:t>
-            </a:r>
-            <a:endParaRPr lang="en-GB" b="0" i="0" dirty="0">
-              <a:solidFill>
-                <a:srgbClr val="495365"/>
-              </a:solidFill>
-              <a:effectLst/>
-              <a:latin typeface="Lato" panose="020F0502020204030203" pitchFamily="34" charset="0"/>
-            </a:endParaRPr>
-          </a:p>
-          <a:p>
-            <a:pPr algn="l"/>
-            <a:endParaRPr lang="en-GB" b="0" i="0" dirty="0">
-              <a:solidFill>
-                <a:srgbClr val="495365"/>
-              </a:solidFill>
-              <a:effectLst/>
-              <a:latin typeface="Lato" panose="020F0502020204030203" pitchFamily="34" charset="0"/>
-            </a:endParaRPr>
-          </a:p>
-          <a:p>
-            <a:pPr algn="l"/>
-            <a:r>
-              <a:rPr lang="en-GB" b="0" i="0" dirty="0">
-                <a:solidFill>
-                  <a:srgbClr val="495365"/>
-                </a:solidFill>
-                <a:effectLst/>
-                <a:latin typeface="Lato" panose="020F0502020204030203" pitchFamily="34" charset="0"/>
-              </a:rPr>
-              <a:t>For saves:</a:t>
-            </a:r>
-          </a:p>
-          <a:p>
-            <a:pPr algn="l"/>
-            <a:r>
-              <a:rPr lang="en-GB" b="0" i="0" dirty="0">
-                <a:effectLst/>
-                <a:highlight>
-                  <a:srgbClr val="FFFFFF"/>
-                </a:highlight>
-                <a:latin typeface="Arial" panose="020B0604020202020204" pitchFamily="34" charset="0"/>
-              </a:rPr>
-              <a:t>Despite many positive responses regarding the trigger word feature for naming saves, it was observed that the accuracy of save names depended heavily on how the speech recognition system formatted words. For instance, one participant named a save "passthrough”, as a full word, but the system outputted the text as "pass through," leading to the trigger word not being detected</a:t>
-            </a:r>
-          </a:p>
-          <a:p>
-            <a:pPr algn="l"/>
-            <a:endParaRPr lang="en-GB" b="0" i="0" dirty="0">
-              <a:solidFill>
-                <a:srgbClr val="495365"/>
-              </a:solidFill>
-              <a:effectLst/>
-              <a:highlight>
-                <a:srgbClr val="FFFFFF"/>
-              </a:highlight>
-              <a:latin typeface="Arial" panose="020B0604020202020204" pitchFamily="34" charset="0"/>
-            </a:endParaRPr>
-          </a:p>
-          <a:p>
-            <a:pPr marL="171450" indent="-171450">
-              <a:buFontTx/>
-              <a:buChar char="-"/>
-            </a:pPr>
-            <a:r>
-              <a:rPr lang="en-GB" b="0" i="0" dirty="0">
-                <a:effectLst/>
-                <a:highlight>
-                  <a:srgbClr val="FFFFFF"/>
-                </a:highlight>
-                <a:latin typeface="Arial" panose="020B0604020202020204" pitchFamily="34" charset="0"/>
-              </a:rPr>
-              <a:t>For text to speech;</a:t>
-            </a:r>
-          </a:p>
-          <a:p>
-            <a:pPr marL="171450" indent="-171450">
-              <a:buFontTx/>
-              <a:buChar char="-"/>
-            </a:pPr>
-            <a:r>
-              <a:rPr lang="en-GB" b="0" i="0" dirty="0">
-                <a:effectLst/>
-                <a:highlight>
-                  <a:srgbClr val="FFFFFF"/>
-                </a:highlight>
-                <a:latin typeface="Arial" panose="020B0604020202020204" pitchFamily="34" charset="0"/>
-              </a:rPr>
-              <a:t>Participants expressed frustration with default settings, mentioning that their devices would revert to default settings, requiring them to change language or voice settings repeatedly, which they found cumbersome</a:t>
-            </a:r>
-          </a:p>
-          <a:p>
-            <a:pPr marL="171450" indent="-171450">
-              <a:buFontTx/>
-              <a:buChar char="-"/>
-            </a:pPr>
-            <a:r>
-              <a:rPr lang="en-GB" b="0" i="0" dirty="0">
-                <a:effectLst/>
-                <a:highlight>
-                  <a:srgbClr val="FFFFFF"/>
-                </a:highlight>
-                <a:latin typeface="Arial" panose="020B0604020202020204" pitchFamily="34" charset="0"/>
-              </a:rPr>
-              <a:t>some participants found the text-to-speech output to be choppy and unnatural, lacking the fluidity of a normal conversation.</a:t>
-            </a:r>
-          </a:p>
-          <a:p>
-            <a:pPr algn="l"/>
-            <a:br>
-              <a:rPr lang="en-GB" b="0" i="0" dirty="0">
-                <a:solidFill>
-                  <a:srgbClr val="495365"/>
-                </a:solidFill>
-                <a:effectLst/>
-                <a:latin typeface="Lato" panose="020F0502020204030203" pitchFamily="34" charset="0"/>
-              </a:rPr>
-            </a:br>
-            <a:endParaRPr lang="en-GB" b="0" i="0" dirty="0">
-              <a:solidFill>
-                <a:srgbClr val="495365"/>
-              </a:solidFill>
-              <a:effectLst/>
-              <a:latin typeface="Lato" panose="020F0502020204030203" pitchFamily="34" charset="0"/>
-            </a:endParaRPr>
-          </a:p>
-          <a:p>
-            <a:pPr marL="171450" indent="-171450">
-              <a:buFontTx/>
-              <a:buChar char="-"/>
-            </a:pPr>
-            <a:endParaRPr lang="en-GB" b="0" i="0" dirty="0">
-              <a:effectLst/>
-              <a:highlight>
-                <a:srgbClr val="FFFFFF"/>
-              </a:highlight>
-              <a:latin typeface="Arial" panose="020B0604020202020204" pitchFamily="34" charset="0"/>
-            </a:endParaRPr>
           </a:p>
         </p:txBody>
       </p:sp>
@@ -3802,27 +3433,6 @@
                 </a:highlight>
                 <a:latin typeface="Arial" panose="020B0604020202020204" pitchFamily="34" charset="0"/>
               </a:rPr>
-              <a:t>Moreover, a participant dd describe an intriguing feature involving speaker detection leveraging directional sound cues. This feature would visually represent the speaker’s orientation on the screen, potentially through an arrow indicator. </a:t>
-            </a:r>
-          </a:p>
-          <a:p>
-            <a:endParaRPr lang="en-GB" b="0" i="0" dirty="0">
-              <a:effectLst/>
-              <a:highlight>
-                <a:srgbClr val="FFFFFF"/>
-              </a:highlight>
-              <a:latin typeface="Arial" panose="020B0604020202020204" pitchFamily="34" charset="0"/>
-            </a:endParaRPr>
-          </a:p>
-          <a:p>
-            <a:r>
-              <a:rPr lang="en-GB" b="0" i="0" dirty="0">
-                <a:effectLst/>
-                <a:highlight>
-                  <a:srgbClr val="FFFFFF"/>
-                </a:highlight>
-                <a:latin typeface="Arial" panose="020B0604020202020204" pitchFamily="34" charset="0"/>
-              </a:rPr>
               <a:t>Such advancements could significantly enhance the accessibility and usability of the web-app for users with diverse needs.</a:t>
             </a:r>
             <a:endParaRPr lang="en-GB" dirty="0"/>
@@ -3976,33 +3586,7 @@
                 </a:highlight>
                 <a:latin typeface="Arial" panose="020B0604020202020204" pitchFamily="34" charset="0"/>
               </a:rPr>
-              <a:t>lessening any financial barriers that could limit access to essential assistive technologies for</a:t>
-            </a:r>
-            <a:r>
-              <a:rPr lang="en-GB" b="0" i="0" dirty="0">
-                <a:solidFill>
-                  <a:srgbClr val="495365"/>
-                </a:solidFill>
-                <a:effectLst/>
-                <a:highlight>
-                  <a:srgbClr val="FFFFFF"/>
-                </a:highlight>
-                <a:latin typeface="Lato" panose="020F0502020204030203" pitchFamily="34" charset="0"/>
-              </a:rPr>
-              <a:t> </a:t>
-            </a:r>
-            <a:r>
-              <a:rPr lang="en-GB" b="0" i="0" dirty="0">
-                <a:solidFill>
-                  <a:srgbClr val="495365"/>
-                </a:solidFill>
-                <a:effectLst/>
-                <a:highlight>
-                  <a:srgbClr val="FFFFFF"/>
-                </a:highlight>
-                <a:latin typeface="Arial" panose="020B0604020202020204" pitchFamily="34" charset="0"/>
-              </a:rPr>
-              <a:t>the Deaf and Hard-of-Hearing community.</a:t>
+              <a:t>lessening financial barriers that could limit access to essential assistive technology.</a:t>
             </a:r>
             <a:endParaRPr lang="en-GB" b="0" i="0" dirty="0">
               <a:solidFill>
@@ -4041,59 +3625,7 @@
                 </a:highlight>
                 <a:latin typeface="Arial" panose="020B0604020202020204" pitchFamily="34" charset="0"/>
               </a:rPr>
-              <a:t>The web-app should be inclusive and should aim to cater to individuals across the spectrum of</a:t>
-            </a:r>
-            <a:r>
-              <a:rPr lang="en-GB" b="0" i="0" dirty="0">
-                <a:solidFill>
-                  <a:srgbClr val="495365"/>
-                </a:solidFill>
-                <a:effectLst/>
-                <a:highlight>
-                  <a:srgbClr val="FFFFFF"/>
-                </a:highlight>
-                <a:latin typeface="Lato" panose="020F0502020204030203" pitchFamily="34" charset="0"/>
-              </a:rPr>
-              <a:t> </a:t>
-            </a:r>
-            <a:r>
-              <a:rPr lang="en-GB" b="0" i="0" dirty="0">
-                <a:solidFill>
-                  <a:srgbClr val="495365"/>
-                </a:solidFill>
-                <a:effectLst/>
-                <a:highlight>
-                  <a:srgbClr val="FFFFFF"/>
-                </a:highlight>
-                <a:latin typeface="Arial" panose="020B0604020202020204" pitchFamily="34" charset="0"/>
-              </a:rPr>
-              <a:t>hearing loss, acknowledging and addressing the diverse needs and variations among users.</a:t>
-            </a:r>
-            <a:r>
-              <a:rPr lang="en-GB" b="0" i="0" dirty="0">
-                <a:solidFill>
-                  <a:srgbClr val="495365"/>
-                </a:solidFill>
-                <a:effectLst/>
-                <a:highlight>
-                  <a:srgbClr val="FFFFFF"/>
-                </a:highlight>
-                <a:latin typeface="Lato" panose="020F0502020204030203" pitchFamily="34" charset="0"/>
-              </a:rPr>
-              <a:t> </a:t>
-            </a:r>
-            <a:r>
-              <a:rPr lang="en-GB" b="0" i="0" dirty="0">
-                <a:solidFill>
-                  <a:srgbClr val="495365"/>
-                </a:solidFill>
-                <a:effectLst/>
-                <a:highlight>
-                  <a:srgbClr val="FFFFFF"/>
-                </a:highlight>
-                <a:latin typeface="Arial" panose="020B0604020202020204" pitchFamily="34" charset="0"/>
-              </a:rPr>
-              <a:t>Its features are tailored to be adaptable and accommodating for all levels of hearing loss.</a:t>
+              <a:t>The web-app should be inclusive and should aim to tailor each feature to be adaptable and accommodating for all levels of hearing loss.</a:t>
             </a:r>
             <a:endParaRPr lang="en-GB" b="0" i="0" dirty="0">
               <a:solidFill>
@@ -4158,70 +3690,8 @@
                 </a:highlight>
                 <a:latin typeface="Arial" panose="020B0604020202020204" pitchFamily="34" charset="0"/>
               </a:rPr>
-              <a:t>focus is to prioritise user needs, preferences, and feedback. Regular updates and feature</a:t>
+              <a:t>focus is to prioritise user needs, preferences, and feedback. </a:t>
             </a:r>
-            <a:r>
-              <a:rPr lang="en-GB" b="0" i="0" dirty="0">
-                <a:solidFill>
-                  <a:srgbClr val="495365"/>
-                </a:solidFill>
-                <a:effectLst/>
-                <a:highlight>
-                  <a:srgbClr val="FFFFFF"/>
-                </a:highlight>
-                <a:latin typeface="Lato" panose="020F0502020204030203" pitchFamily="34" charset="0"/>
-              </a:rPr>
-              <a:t> </a:t>
-            </a:r>
-            <a:r>
-              <a:rPr lang="en-GB" b="0" i="0" dirty="0">
-                <a:solidFill>
-                  <a:srgbClr val="495365"/>
-                </a:solidFill>
-                <a:effectLst/>
-                <a:highlight>
-                  <a:srgbClr val="FFFFFF"/>
-                </a:highlight>
-                <a:latin typeface="Arial" panose="020B0604020202020204" pitchFamily="34" charset="0"/>
-              </a:rPr>
-              <a:t>enhancements stem from user engagement studies, ensuring that the platform evolves in</a:t>
-            </a:r>
-            <a:r>
-              <a:rPr lang="en-GB" b="0" i="0" dirty="0">
-                <a:solidFill>
-                  <a:srgbClr val="495365"/>
-                </a:solidFill>
-                <a:effectLst/>
-                <a:highlight>
-                  <a:srgbClr val="FFFFFF"/>
-                </a:highlight>
-                <a:latin typeface="Lato" panose="020F0502020204030203" pitchFamily="34" charset="0"/>
-              </a:rPr>
-              <a:t> </a:t>
-            </a:r>
-            <a:r>
-              <a:rPr lang="en-GB" b="0" i="0" dirty="0">
-                <a:solidFill>
-                  <a:srgbClr val="495365"/>
-                </a:solidFill>
-                <a:effectLst/>
-                <a:highlight>
-                  <a:srgbClr val="FFFFFF"/>
-                </a:highlight>
-                <a:latin typeface="Arial" panose="020B0604020202020204" pitchFamily="34" charset="0"/>
-              </a:rPr>
-              <a:t>direct response to user input.</a:t>
-            </a:r>
-            <a:endParaRPr lang="en-GB" b="0" i="0" dirty="0">
-              <a:solidFill>
-                <a:srgbClr val="495365"/>
-              </a:solidFill>
-              <a:effectLst/>
-              <a:highlight>
-                <a:srgbClr val="FFFFFF"/>
-              </a:highlight>
-              <a:latin typeface="Lato" panose="020F0502020204030203" pitchFamily="34" charset="0"/>
-            </a:endParaRPr>
           </a:p>
           <a:p>
             <a:pPr algn="l" rtl="0"/>
@@ -4249,7 +3719,7 @@
                 </a:highlight>
                 <a:latin typeface="Arial" panose="020B0604020202020204" pitchFamily="34" charset="0"/>
               </a:rPr>
-              <a:t>The web-app should be usable where the application is engineered with usability at its core, ensuring users of all abilities</a:t>
+              <a:t>The web-app should be usable, ensuring users of all abilities</a:t>
             </a:r>
             <a:r>
               <a:rPr lang="en-GB" b="0" i="0" dirty="0">
@@ -4275,59 +3745,7 @@
                 </a:highlight>
                 <a:latin typeface="Arial" panose="020B0604020202020204" pitchFamily="34" charset="0"/>
               </a:rPr>
-              <a:t>can utilise the web-app. This includes adherence to universal design principles, variability</a:t>
-            </a:r>
-            <a:r>
-              <a:rPr lang="en-GB" b="0" i="0" dirty="0">
-                <a:solidFill>
-                  <a:srgbClr val="495365"/>
-                </a:solidFill>
-                <a:effectLst/>
-                <a:highlight>
-                  <a:srgbClr val="FFFFFF"/>
-                </a:highlight>
-                <a:latin typeface="Lato" panose="020F0502020204030203" pitchFamily="34" charset="0"/>
-              </a:rPr>
-              <a:t> </a:t>
-            </a:r>
-            <a:r>
-              <a:rPr lang="en-GB" b="0" i="0" dirty="0">
-                <a:solidFill>
-                  <a:srgbClr val="495365"/>
-                </a:solidFill>
-                <a:effectLst/>
-                <a:highlight>
-                  <a:srgbClr val="FFFFFF"/>
-                </a:highlight>
-                <a:latin typeface="Arial" panose="020B0604020202020204" pitchFamily="34" charset="0"/>
-              </a:rPr>
-              <a:t>for text features, being able to access the web-app on various devices and integrating</a:t>
-            </a:r>
-            <a:r>
-              <a:rPr lang="en-GB" b="0" i="0" dirty="0">
-                <a:solidFill>
-                  <a:srgbClr val="495365"/>
-                </a:solidFill>
-                <a:effectLst/>
-                <a:highlight>
-                  <a:srgbClr val="FFFFFF"/>
-                </a:highlight>
-                <a:latin typeface="Lato" panose="020F0502020204030203" pitchFamily="34" charset="0"/>
-              </a:rPr>
-              <a:t> </a:t>
-            </a:r>
-            <a:r>
-              <a:rPr lang="en-GB" b="0" i="0" dirty="0">
-                <a:solidFill>
-                  <a:srgbClr val="495365"/>
-                </a:solidFill>
-                <a:effectLst/>
-                <a:highlight>
-                  <a:srgbClr val="FFFFFF"/>
-                </a:highlight>
-                <a:latin typeface="Arial" panose="020B0604020202020204" pitchFamily="34" charset="0"/>
-              </a:rPr>
-              <a:t>intuitive interfaces to accommodate a wide range of users.</a:t>
+              <a:t>can utilise the web-app. </a:t>
             </a:r>
             <a:br>
               <a:rPr lang="en-GB" b="0" i="0" dirty="0">
@@ -4391,33 +3809,7 @@
                 </a:highlight>
                 <a:latin typeface="Arial" panose="020B0604020202020204" pitchFamily="34" charset="0"/>
               </a:rPr>
-              <a:t>the Deaf and Hard-of-Hearing community to actively participate in its upkeep, suggest</a:t>
-            </a:r>
-            <a:r>
-              <a:rPr lang="en-GB" b="0" i="0" dirty="0">
-                <a:solidFill>
-                  <a:srgbClr val="495365"/>
-                </a:solidFill>
-                <a:effectLst/>
-                <a:highlight>
-                  <a:srgbClr val="FFFFFF"/>
-                </a:highlight>
-                <a:latin typeface="Lato" panose="020F0502020204030203" pitchFamily="34" charset="0"/>
-              </a:rPr>
-              <a:t> </a:t>
-            </a:r>
-            <a:r>
-              <a:rPr lang="en-GB" b="0" i="0" dirty="0">
-                <a:solidFill>
-                  <a:srgbClr val="495365"/>
-                </a:solidFill>
-                <a:effectLst/>
-                <a:highlight>
-                  <a:srgbClr val="FFFFFF"/>
-                </a:highlight>
-                <a:latin typeface="Arial" panose="020B0604020202020204" pitchFamily="34" charset="0"/>
-              </a:rPr>
-              <a:t>improvements, report issues, and collectively contribute to its maintenance and growth.</a:t>
+              <a:t>the Deaf and Hard-of-Hearing community to actively participate in its upkeep.</a:t>
             </a:r>
             <a:endParaRPr lang="en-GB" b="0" i="0" dirty="0">
               <a:solidFill>
@@ -4456,102 +3848,8 @@
                 </a:highlight>
                 <a:latin typeface="Arial" panose="020B0604020202020204" pitchFamily="34" charset="0"/>
               </a:rPr>
-              <a:t>The web-app should be versatile, recognising the diversity in device usage, ensuring seamless functionality across various devices and operating systems,</a:t>
+              <a:t>The web-app should be versatile, recognising the diversity in device usage, ensuring seamless functionality across various devices and operating systems.</a:t>
             </a:r>
-            <a:r>
-              <a:rPr lang="en-GB" b="0" i="0" dirty="0">
-                <a:solidFill>
-                  <a:srgbClr val="495365"/>
-                </a:solidFill>
-                <a:effectLst/>
-                <a:highlight>
-                  <a:srgbClr val="FFFFFF"/>
-                </a:highlight>
-                <a:latin typeface="Lato" panose="020F0502020204030203" pitchFamily="34" charset="0"/>
-              </a:rPr>
-              <a:t> </a:t>
-            </a:r>
-            <a:r>
-              <a:rPr lang="en-GB" b="0" i="0" dirty="0">
-                <a:solidFill>
-                  <a:srgbClr val="495365"/>
-                </a:solidFill>
-                <a:effectLst/>
-                <a:highlight>
-                  <a:srgbClr val="FFFFFF"/>
-                </a:highlight>
-                <a:latin typeface="Arial" panose="020B0604020202020204" pitchFamily="34" charset="0"/>
-              </a:rPr>
-              <a:t>including smartphones, tablets, laptops, Raspberry pi, and desktops. This ensures users can</a:t>
-            </a:r>
-            <a:r>
-              <a:rPr lang="en-GB" b="0" i="0" dirty="0">
-                <a:solidFill>
-                  <a:srgbClr val="495365"/>
-                </a:solidFill>
-                <a:effectLst/>
-                <a:highlight>
-                  <a:srgbClr val="FFFFFF"/>
-                </a:highlight>
-                <a:latin typeface="Lato" panose="020F0502020204030203" pitchFamily="34" charset="0"/>
-              </a:rPr>
-              <a:t> </a:t>
-            </a:r>
-            <a:r>
-              <a:rPr lang="en-GB" b="0" i="0" dirty="0">
-                <a:solidFill>
-                  <a:srgbClr val="495365"/>
-                </a:solidFill>
-                <a:effectLst/>
-                <a:highlight>
-                  <a:srgbClr val="FFFFFF"/>
-                </a:highlight>
-                <a:latin typeface="Arial" panose="020B0604020202020204" pitchFamily="34" charset="0"/>
-              </a:rPr>
-              <a:t>access the platform conveniently regardless of their preferred device.</a:t>
-            </a:r>
-          </a:p>
-          <a:p>
-            <a:pPr algn="l" rtl="0"/>
-            <a:endParaRPr lang="en-GB" b="0" i="0" dirty="0">
-              <a:solidFill>
-                <a:srgbClr val="495365"/>
-              </a:solidFill>
-              <a:effectLst/>
-              <a:highlight>
-                <a:srgbClr val="FFFFFF"/>
-              </a:highlight>
-              <a:latin typeface="Arial" panose="020B0604020202020204" pitchFamily="34" charset="0"/>
-            </a:endParaRPr>
-          </a:p>
-          <a:p>
-            <a:pPr algn="l" rtl="0"/>
-            <a:r>
-              <a:rPr lang="en-GB" b="0" i="0" dirty="0">
-                <a:solidFill>
-                  <a:srgbClr val="495365"/>
-                </a:solidFill>
-                <a:effectLst/>
-                <a:highlight>
-                  <a:srgbClr val="FFFFFF"/>
-                </a:highlight>
-                <a:latin typeface="Arial" panose="020B0604020202020204" pitchFamily="34" charset="0"/>
-              </a:rPr>
-              <a:t>From these aims we also define UI and UX requirements that will be assessed in the final evaluation.</a:t>
-            </a:r>
-            <a:endParaRPr lang="en-GB" b="0" i="0" dirty="0">
-              <a:solidFill>
-                <a:srgbClr val="495365"/>
-              </a:solidFill>
-              <a:effectLst/>
-              <a:highlight>
-                <a:srgbClr val="FFFFFF"/>
-              </a:highlight>
-              <a:latin typeface="Lato" panose="020F0502020204030203" pitchFamily="34" charset="0"/>
-            </a:endParaRPr>
-          </a:p>
-          <a:p>
-            <a:endParaRPr lang="en-GB" dirty="0"/>
           </a:p>
         </p:txBody>
       </p:sp>
